--- a/Lectures/py_lec_10.pptx
+++ b/Lectures/py_lec_10.pptx
@@ -4978,7 +4978,18 @@
               <a:t>(</a:t>
             </a:r>
             <a:r>
-              <a:rPr lang="en-US" sz="1400" b="1" strike="noStrike" spc="-1">
+              <a:rPr lang="en-US" sz="1400" b="0" i="0" u="none" strike="noStrike" cap="none" spc="0">
+                <a:solidFill>
+                  <a:srgbClr val="000000"/>
+                </a:solidFill>
+                <a:latin typeface="Courier New"/>
+                <a:ea typeface="DejaVu Sans"/>
+                <a:cs typeface="Courier New"/>
+              </a:rPr>
+              <a:t>self</a:t>
+            </a:r>
+            <a:r>
+              <a:rPr lang="en-US" sz="1400" b="1" strike="noStrike" spc="0">
                 <a:solidFill>
                   <a:srgbClr val="000080"/>
                 </a:solidFill>
@@ -8337,7 +8348,27 @@
                 <a:latin typeface="Calibri"/>
                 <a:ea typeface="DejaVu Sans"/>
               </a:rPr>
-              <a:t>.get()</a:t>
+              <a:t>.</a:t>
+            </a:r>
+            <a:r>
+              <a:rPr lang="en-US" sz="2000" b="1" strike="noStrike" spc="0">
+                <a:solidFill>
+                  <a:srgbClr val="002060"/>
+                </a:solidFill>
+                <a:latin typeface="Calibri"/>
+                <a:ea typeface="DejaVu Sans"/>
+              </a:rPr>
+              <a:t>acquire</a:t>
+            </a:r>
+            <a:r>
+              <a:rPr lang="ru-RU" sz="2000" b="1" strike="noStrike" spc="0">
+                <a:solidFill>
+                  <a:srgbClr val="002060"/>
+                </a:solidFill>
+                <a:latin typeface="Calibri"/>
+                <a:ea typeface="DejaVu Sans"/>
+              </a:rPr>
+              <a:t>()</a:t>
             </a:r>
             <a:r>
               <a:rPr lang="ru-RU" sz="2000" b="0" strike="noStrike" spc="-1">
